--- a/IntroduceDynamoDB.pptx
+++ b/IntroduceDynamoDB.pptx
@@ -5,7 +5,7 @@
     <p:sldMasterId id="2147483765" r:id="rId1"/>
   </p:sldMasterIdLst>
   <p:notesMasterIdLst>
-    <p:notesMasterId r:id="rId24"/>
+    <p:notesMasterId r:id="rId27"/>
   </p:notesMasterIdLst>
   <p:sldIdLst>
     <p:sldId id="257" r:id="rId2"/>
@@ -30,6 +30,9 @@
     <p:sldId id="278" r:id="rId21"/>
     <p:sldId id="279" r:id="rId22"/>
     <p:sldId id="280" r:id="rId23"/>
+    <p:sldId id="281" r:id="rId24"/>
+    <p:sldId id="282" r:id="rId25"/>
+    <p:sldId id="283" r:id="rId26"/>
   </p:sldIdLst>
   <p:sldSz cx="12192000" cy="6858000"/>
   <p:notesSz cx="6858000" cy="9144000"/>
@@ -218,7 +221,7 @@
           <a:p>
             <a:fld id="{CFC79429-320A-42A2-B6B6-9E429BC79B91}" type="datetimeFigureOut">
               <a:rPr lang="en-US" smtClean="0"/>
-              <a:t>12/30/2019</a:t>
+              <a:t>12/31/2019</a:t>
             </a:fld>
             <a:endParaRPr lang="en-US"/>
           </a:p>
@@ -2121,6 +2124,333 @@
 </p:notes>
 </file>
 
+<file path=ppt/notesSlides/notesSlide23.xml><?xml version="1.0" encoding="utf-8"?>
+<p:notes xmlns:a="http://schemas.openxmlformats.org/drawingml/2006/main" xmlns:r="http://schemas.openxmlformats.org/officeDocument/2006/relationships" xmlns:p="http://schemas.openxmlformats.org/presentationml/2006/main" showMasterSp="0" showMasterPhAnim="0">
+  <p:cSld>
+    <p:spTree>
+      <p:nvGrpSpPr>
+        <p:cNvPr id="1" name="Shape 62"/>
+        <p:cNvGrpSpPr/>
+        <p:nvPr/>
+      </p:nvGrpSpPr>
+      <p:grpSpPr>
+        <a:xfrm>
+          <a:off x="0" y="0"/>
+          <a:ext cx="0" cy="0"/>
+          <a:chOff x="0" y="0"/>
+          <a:chExt cx="0" cy="0"/>
+        </a:xfrm>
+      </p:grpSpPr>
+      <p:sp>
+        <p:nvSpPr>
+          <p:cNvPr id="63" name="Google Shape;63;g3606f1c2d_30:notes"/>
+          <p:cNvSpPr>
+            <a:spLocks noGrp="1" noRot="1" noChangeAspect="1"/>
+          </p:cNvSpPr>
+          <p:nvPr>
+            <p:ph type="sldImg" idx="2"/>
+          </p:nvPr>
+        </p:nvSpPr>
+        <p:spPr>
+          <a:xfrm>
+            <a:off x="381000" y="685800"/>
+            <a:ext cx="6096000" cy="3429000"/>
+          </a:xfrm>
+          <a:custGeom>
+            <a:avLst/>
+            <a:gdLst/>
+            <a:ahLst/>
+            <a:cxnLst/>
+            <a:rect l="0" t="0" r="0" b="0"/>
+            <a:pathLst>
+              <a:path w="120000" h="120000" extrusionOk="0">
+                <a:moveTo>
+                  <a:pt x="0" y="0"/>
+                </a:moveTo>
+                <a:lnTo>
+                  <a:pt x="120000" y="0"/>
+                </a:lnTo>
+                <a:lnTo>
+                  <a:pt x="120000" y="120000"/>
+                </a:lnTo>
+                <a:lnTo>
+                  <a:pt x="0" y="120000"/>
+                </a:lnTo>
+                <a:close/>
+              </a:path>
+            </a:pathLst>
+          </a:custGeom>
+        </p:spPr>
+      </p:sp>
+      <p:sp>
+        <p:nvSpPr>
+          <p:cNvPr id="64" name="Google Shape;64;g3606f1c2d_30:notes"/>
+          <p:cNvSpPr txBox="1">
+            <a:spLocks noGrp="1"/>
+          </p:cNvSpPr>
+          <p:nvPr>
+            <p:ph type="body" idx="1"/>
+          </p:nvPr>
+        </p:nvSpPr>
+        <p:spPr>
+          <a:xfrm>
+            <a:off x="685800" y="4343400"/>
+            <a:ext cx="5486400" cy="4114800"/>
+          </a:xfrm>
+          <a:prstGeom prst="rect">
+            <a:avLst/>
+          </a:prstGeom>
+        </p:spPr>
+        <p:txBody>
+          <a:bodyPr spcFirstLastPara="1" wrap="square" lIns="91425" tIns="91425" rIns="91425" bIns="91425" anchor="t" anchorCtr="0">
+            <a:noAutofit/>
+          </a:bodyPr>
+          <a:lstStyle/>
+          <a:p>
+            <a:pPr marL="0" lvl="0" indent="0">
+              <a:spcBef>
+                <a:spcPts val="0"/>
+              </a:spcBef>
+              <a:spcAft>
+                <a:spcPts val="0"/>
+              </a:spcAft>
+              <a:buNone/>
+            </a:pPr>
+            <a:endParaRPr/>
+          </a:p>
+        </p:txBody>
+      </p:sp>
+    </p:spTree>
+    <p:extLst>
+      <p:ext uri="{BB962C8B-B14F-4D97-AF65-F5344CB8AC3E}">
+        <p14:creationId xmlns:p14="http://schemas.microsoft.com/office/powerpoint/2010/main" val="2431554057"/>
+      </p:ext>
+    </p:extLst>
+  </p:cSld>
+  <p:clrMapOvr>
+    <a:masterClrMapping/>
+  </p:clrMapOvr>
+</p:notes>
+</file>
+
+<file path=ppt/notesSlides/notesSlide24.xml><?xml version="1.0" encoding="utf-8"?>
+<p:notes xmlns:a="http://schemas.openxmlformats.org/drawingml/2006/main" xmlns:r="http://schemas.openxmlformats.org/officeDocument/2006/relationships" xmlns:p="http://schemas.openxmlformats.org/presentationml/2006/main" showMasterSp="0" showMasterPhAnim="0">
+  <p:cSld>
+    <p:spTree>
+      <p:nvGrpSpPr>
+        <p:cNvPr id="1" name="Shape 62"/>
+        <p:cNvGrpSpPr/>
+        <p:nvPr/>
+      </p:nvGrpSpPr>
+      <p:grpSpPr>
+        <a:xfrm>
+          <a:off x="0" y="0"/>
+          <a:ext cx="0" cy="0"/>
+          <a:chOff x="0" y="0"/>
+          <a:chExt cx="0" cy="0"/>
+        </a:xfrm>
+      </p:grpSpPr>
+      <p:sp>
+        <p:nvSpPr>
+          <p:cNvPr id="63" name="Google Shape;63;g3606f1c2d_30:notes"/>
+          <p:cNvSpPr>
+            <a:spLocks noGrp="1" noRot="1" noChangeAspect="1"/>
+          </p:cNvSpPr>
+          <p:nvPr>
+            <p:ph type="sldImg" idx="2"/>
+          </p:nvPr>
+        </p:nvSpPr>
+        <p:spPr>
+          <a:xfrm>
+            <a:off x="381000" y="685800"/>
+            <a:ext cx="6096000" cy="3429000"/>
+          </a:xfrm>
+          <a:custGeom>
+            <a:avLst/>
+            <a:gdLst/>
+            <a:ahLst/>
+            <a:cxnLst/>
+            <a:rect l="0" t="0" r="0" b="0"/>
+            <a:pathLst>
+              <a:path w="120000" h="120000" extrusionOk="0">
+                <a:moveTo>
+                  <a:pt x="0" y="0"/>
+                </a:moveTo>
+                <a:lnTo>
+                  <a:pt x="120000" y="0"/>
+                </a:lnTo>
+                <a:lnTo>
+                  <a:pt x="120000" y="120000"/>
+                </a:lnTo>
+                <a:lnTo>
+                  <a:pt x="0" y="120000"/>
+                </a:lnTo>
+                <a:close/>
+              </a:path>
+            </a:pathLst>
+          </a:custGeom>
+        </p:spPr>
+      </p:sp>
+      <p:sp>
+        <p:nvSpPr>
+          <p:cNvPr id="64" name="Google Shape;64;g3606f1c2d_30:notes"/>
+          <p:cNvSpPr txBox="1">
+            <a:spLocks noGrp="1"/>
+          </p:cNvSpPr>
+          <p:nvPr>
+            <p:ph type="body" idx="1"/>
+          </p:nvPr>
+        </p:nvSpPr>
+        <p:spPr>
+          <a:xfrm>
+            <a:off x="685800" y="4343400"/>
+            <a:ext cx="5486400" cy="4114800"/>
+          </a:xfrm>
+          <a:prstGeom prst="rect">
+            <a:avLst/>
+          </a:prstGeom>
+        </p:spPr>
+        <p:txBody>
+          <a:bodyPr spcFirstLastPara="1" wrap="square" lIns="91425" tIns="91425" rIns="91425" bIns="91425" anchor="t" anchorCtr="0">
+            <a:noAutofit/>
+          </a:bodyPr>
+          <a:lstStyle/>
+          <a:p>
+            <a:pPr marL="0" lvl="0" indent="0">
+              <a:spcBef>
+                <a:spcPts val="0"/>
+              </a:spcBef>
+              <a:spcAft>
+                <a:spcPts val="0"/>
+              </a:spcAft>
+              <a:buNone/>
+            </a:pPr>
+            <a:endParaRPr/>
+          </a:p>
+        </p:txBody>
+      </p:sp>
+    </p:spTree>
+    <p:extLst>
+      <p:ext uri="{BB962C8B-B14F-4D97-AF65-F5344CB8AC3E}">
+        <p14:creationId xmlns:p14="http://schemas.microsoft.com/office/powerpoint/2010/main" val="345114888"/>
+      </p:ext>
+    </p:extLst>
+  </p:cSld>
+  <p:clrMapOvr>
+    <a:masterClrMapping/>
+  </p:clrMapOvr>
+</p:notes>
+</file>
+
+<file path=ppt/notesSlides/notesSlide25.xml><?xml version="1.0" encoding="utf-8"?>
+<p:notes xmlns:a="http://schemas.openxmlformats.org/drawingml/2006/main" xmlns:r="http://schemas.openxmlformats.org/officeDocument/2006/relationships" xmlns:p="http://schemas.openxmlformats.org/presentationml/2006/main" showMasterSp="0" showMasterPhAnim="0">
+  <p:cSld>
+    <p:spTree>
+      <p:nvGrpSpPr>
+        <p:cNvPr id="1" name="Shape 62"/>
+        <p:cNvGrpSpPr/>
+        <p:nvPr/>
+      </p:nvGrpSpPr>
+      <p:grpSpPr>
+        <a:xfrm>
+          <a:off x="0" y="0"/>
+          <a:ext cx="0" cy="0"/>
+          <a:chOff x="0" y="0"/>
+          <a:chExt cx="0" cy="0"/>
+        </a:xfrm>
+      </p:grpSpPr>
+      <p:sp>
+        <p:nvSpPr>
+          <p:cNvPr id="63" name="Google Shape;63;g3606f1c2d_30:notes"/>
+          <p:cNvSpPr>
+            <a:spLocks noGrp="1" noRot="1" noChangeAspect="1"/>
+          </p:cNvSpPr>
+          <p:nvPr>
+            <p:ph type="sldImg" idx="2"/>
+          </p:nvPr>
+        </p:nvSpPr>
+        <p:spPr>
+          <a:xfrm>
+            <a:off x="381000" y="685800"/>
+            <a:ext cx="6096000" cy="3429000"/>
+          </a:xfrm>
+          <a:custGeom>
+            <a:avLst/>
+            <a:gdLst/>
+            <a:ahLst/>
+            <a:cxnLst/>
+            <a:rect l="0" t="0" r="0" b="0"/>
+            <a:pathLst>
+              <a:path w="120000" h="120000" extrusionOk="0">
+                <a:moveTo>
+                  <a:pt x="0" y="0"/>
+                </a:moveTo>
+                <a:lnTo>
+                  <a:pt x="120000" y="0"/>
+                </a:lnTo>
+                <a:lnTo>
+                  <a:pt x="120000" y="120000"/>
+                </a:lnTo>
+                <a:lnTo>
+                  <a:pt x="0" y="120000"/>
+                </a:lnTo>
+                <a:close/>
+              </a:path>
+            </a:pathLst>
+          </a:custGeom>
+        </p:spPr>
+      </p:sp>
+      <p:sp>
+        <p:nvSpPr>
+          <p:cNvPr id="64" name="Google Shape;64;g3606f1c2d_30:notes"/>
+          <p:cNvSpPr txBox="1">
+            <a:spLocks noGrp="1"/>
+          </p:cNvSpPr>
+          <p:nvPr>
+            <p:ph type="body" idx="1"/>
+          </p:nvPr>
+        </p:nvSpPr>
+        <p:spPr>
+          <a:xfrm>
+            <a:off x="685800" y="4343400"/>
+            <a:ext cx="5486400" cy="4114800"/>
+          </a:xfrm>
+          <a:prstGeom prst="rect">
+            <a:avLst/>
+          </a:prstGeom>
+        </p:spPr>
+        <p:txBody>
+          <a:bodyPr spcFirstLastPara="1" wrap="square" lIns="91425" tIns="91425" rIns="91425" bIns="91425" anchor="t" anchorCtr="0">
+            <a:noAutofit/>
+          </a:bodyPr>
+          <a:lstStyle/>
+          <a:p>
+            <a:pPr marL="0" lvl="0" indent="0">
+              <a:spcBef>
+                <a:spcPts val="0"/>
+              </a:spcBef>
+              <a:spcAft>
+                <a:spcPts val="0"/>
+              </a:spcAft>
+              <a:buNone/>
+            </a:pPr>
+            <a:endParaRPr/>
+          </a:p>
+        </p:txBody>
+      </p:sp>
+    </p:spTree>
+    <p:extLst>
+      <p:ext uri="{BB962C8B-B14F-4D97-AF65-F5344CB8AC3E}">
+        <p14:creationId xmlns:p14="http://schemas.microsoft.com/office/powerpoint/2010/main" val="3102865613"/>
+      </p:ext>
+    </p:extLst>
+  </p:cSld>
+  <p:clrMapOvr>
+    <a:masterClrMapping/>
+  </p:clrMapOvr>
+</p:notes>
+</file>
+
 <file path=ppt/notesSlides/notesSlide3.xml><?xml version="1.0" encoding="utf-8"?>
 <p:notes xmlns:a="http://schemas.openxmlformats.org/drawingml/2006/main" xmlns:r="http://schemas.openxmlformats.org/officeDocument/2006/relationships" xmlns:p="http://schemas.openxmlformats.org/presentationml/2006/main" showMasterSp="0" showMasterPhAnim="0">
   <p:cSld>
@@ -3110,7 +3440,7 @@
           <a:p>
             <a:fld id="{3398AEB7-94A9-4D46-8112-D3588CD8ADA3}" type="datetimeFigureOut">
               <a:rPr lang="en-US" smtClean="0"/>
-              <a:t>12/30/2019</a:t>
+              <a:t>12/31/2019</a:t>
             </a:fld>
             <a:endParaRPr lang="en-US"/>
           </a:p>
@@ -3318,7 +3648,7 @@
           <a:p>
             <a:fld id="{3398AEB7-94A9-4D46-8112-D3588CD8ADA3}" type="datetimeFigureOut">
               <a:rPr lang="en-US" smtClean="0"/>
-              <a:t>12/30/2019</a:t>
+              <a:t>12/31/2019</a:t>
             </a:fld>
             <a:endParaRPr lang="en-US"/>
           </a:p>
@@ -3574,7 +3904,7 @@
           <a:p>
             <a:fld id="{3398AEB7-94A9-4D46-8112-D3588CD8ADA3}" type="datetimeFigureOut">
               <a:rPr lang="en-US" smtClean="0"/>
-              <a:t>12/30/2019</a:t>
+              <a:t>12/31/2019</a:t>
             </a:fld>
             <a:endParaRPr lang="en-US"/>
           </a:p>
@@ -4309,7 +4639,7 @@
           <a:p>
             <a:fld id="{3398AEB7-94A9-4D46-8112-D3588CD8ADA3}" type="datetimeFigureOut">
               <a:rPr lang="en-US" smtClean="0"/>
-              <a:t>12/30/2019</a:t>
+              <a:t>12/31/2019</a:t>
             </a:fld>
             <a:endParaRPr lang="en-US"/>
           </a:p>
@@ -4652,7 +4982,7 @@
           <a:p>
             <a:fld id="{3398AEB7-94A9-4D46-8112-D3588CD8ADA3}" type="datetimeFigureOut">
               <a:rPr lang="en-US" smtClean="0"/>
-              <a:t>12/30/2019</a:t>
+              <a:t>12/31/2019</a:t>
             </a:fld>
             <a:endParaRPr lang="en-US"/>
           </a:p>
@@ -4927,7 +5257,7 @@
           <a:p>
             <a:fld id="{3398AEB7-94A9-4D46-8112-D3588CD8ADA3}" type="datetimeFigureOut">
               <a:rPr lang="en-US" smtClean="0"/>
-              <a:t>12/30/2019</a:t>
+              <a:t>12/31/2019</a:t>
             </a:fld>
             <a:endParaRPr lang="en-US"/>
           </a:p>
@@ -5306,7 +5636,7 @@
           <a:p>
             <a:fld id="{3398AEB7-94A9-4D46-8112-D3588CD8ADA3}" type="datetimeFigureOut">
               <a:rPr lang="en-US" smtClean="0"/>
-              <a:t>12/30/2019</a:t>
+              <a:t>12/31/2019</a:t>
             </a:fld>
             <a:endParaRPr lang="en-US"/>
           </a:p>
@@ -5424,7 +5754,7 @@
           <a:p>
             <a:fld id="{3398AEB7-94A9-4D46-8112-D3588CD8ADA3}" type="datetimeFigureOut">
               <a:rPr lang="en-US" smtClean="0"/>
-              <a:t>12/30/2019</a:t>
+              <a:t>12/31/2019</a:t>
             </a:fld>
             <a:endParaRPr lang="en-US"/>
           </a:p>
@@ -5595,7 +5925,7 @@
           <a:p>
             <a:fld id="{3398AEB7-94A9-4D46-8112-D3588CD8ADA3}" type="datetimeFigureOut">
               <a:rPr lang="en-US" smtClean="0"/>
-              <a:t>12/30/2019</a:t>
+              <a:t>12/31/2019</a:t>
             </a:fld>
             <a:endParaRPr lang="en-US"/>
           </a:p>
@@ -5949,7 +6279,7 @@
           <a:p>
             <a:fld id="{3398AEB7-94A9-4D46-8112-D3588CD8ADA3}" type="datetimeFigureOut">
               <a:rPr lang="en-US" smtClean="0"/>
-              <a:t>12/30/2019</a:t>
+              <a:t>12/31/2019</a:t>
             </a:fld>
             <a:endParaRPr lang="en-US"/>
           </a:p>
@@ -6331,7 +6661,7 @@
           <a:p>
             <a:fld id="{3398AEB7-94A9-4D46-8112-D3588CD8ADA3}" type="datetimeFigureOut">
               <a:rPr lang="en-US" smtClean="0"/>
-              <a:t>12/30/2019</a:t>
+              <a:t>12/31/2019</a:t>
             </a:fld>
             <a:endParaRPr lang="en-US"/>
           </a:p>
@@ -6618,7 +6948,7 @@
           <a:p>
             <a:fld id="{3398AEB7-94A9-4D46-8112-D3588CD8ADA3}" type="datetimeFigureOut">
               <a:rPr lang="en-US" smtClean="0"/>
-              <a:t>12/30/2019</a:t>
+              <a:t>12/31/2019</a:t>
             </a:fld>
             <a:endParaRPr lang="en-US"/>
           </a:p>
@@ -7679,14 +8009,7 @@
                 <a:latin typeface="Times New Roman" panose="02020603050405020304" pitchFamily="18" charset="0"/>
                 <a:cs typeface="Times New Roman" panose="02020603050405020304" pitchFamily="18" charset="0"/>
               </a:rPr>
-              <a:t>: create function </a:t>
-            </a:r>
-            <a:r>
-              <a:rPr lang="en-US" sz="2400" dirty="0" smtClean="0">
-                <a:latin typeface="Times New Roman" panose="02020603050405020304" pitchFamily="18" charset="0"/>
-                <a:cs typeface="Times New Roman" panose="02020603050405020304" pitchFamily="18" charset="0"/>
-              </a:rPr>
-              <a:t>convert</a:t>
+              <a:t>: create function convert</a:t>
             </a:r>
           </a:p>
           <a:p>
@@ -10009,6 +10332,447 @@
     <p:extLst>
       <p:ext uri="{BB962C8B-B14F-4D97-AF65-F5344CB8AC3E}">
         <p14:creationId xmlns:p14="http://schemas.microsoft.com/office/powerpoint/2010/main" val="1783009188"/>
+      </p:ext>
+    </p:extLst>
+  </p:cSld>
+  <p:clrMapOvr>
+    <a:masterClrMapping/>
+  </p:clrMapOvr>
+  <p:timing>
+    <p:tnLst>
+      <p:par>
+        <p:cTn id="1" dur="indefinite" restart="never" nodeType="tmRoot"/>
+      </p:par>
+    </p:tnLst>
+  </p:timing>
+</p:sld>
+</file>
+
+<file path=ppt/slides/slide23.xml><?xml version="1.0" encoding="utf-8"?>
+<p:sld xmlns:a="http://schemas.openxmlformats.org/drawingml/2006/main" xmlns:r="http://schemas.openxmlformats.org/officeDocument/2006/relationships" xmlns:p="http://schemas.openxmlformats.org/presentationml/2006/main">
+  <p:cSld>
+    <p:spTree>
+      <p:nvGrpSpPr>
+        <p:cNvPr id="1" name="Shape 65"/>
+        <p:cNvGrpSpPr/>
+        <p:nvPr/>
+      </p:nvGrpSpPr>
+      <p:grpSpPr>
+        <a:xfrm>
+          <a:off x="0" y="0"/>
+          <a:ext cx="0" cy="0"/>
+          <a:chOff x="0" y="0"/>
+          <a:chExt cx="0" cy="0"/>
+        </a:xfrm>
+      </p:grpSpPr>
+      <p:sp>
+        <p:nvSpPr>
+          <p:cNvPr id="66" name="Google Shape;66;p14"/>
+          <p:cNvSpPr txBox="1">
+            <a:spLocks noGrp="1"/>
+          </p:cNvSpPr>
+          <p:nvPr>
+            <p:ph type="body" idx="2"/>
+          </p:nvPr>
+        </p:nvSpPr>
+        <p:spPr>
+          <a:xfrm>
+            <a:off x="2910239" y="40510"/>
+            <a:ext cx="8841333" cy="6475619"/>
+          </a:xfrm>
+          <a:prstGeom prst="rect">
+            <a:avLst/>
+          </a:prstGeom>
+        </p:spPr>
+        <p:txBody>
+          <a:bodyPr spcFirstLastPara="1" vert="horz" wrap="square" lIns="121900" tIns="121900" rIns="121900" bIns="121900" rtlCol="0" anchor="t" anchorCtr="0">
+            <a:noAutofit/>
+          </a:bodyPr>
+          <a:lstStyle/>
+          <a:p>
+            <a:r>
+              <a:rPr lang="en-US" sz="2400" dirty="0"/>
+              <a:t>An Amazon </a:t>
+            </a:r>
+            <a:r>
+              <a:rPr lang="en-US" sz="2400" dirty="0" err="1"/>
+              <a:t>DocumentDB</a:t>
+            </a:r>
+            <a:r>
+              <a:rPr lang="en-US" sz="2400" dirty="0"/>
+              <a:t> cluster consists of two components:</a:t>
+            </a:r>
+          </a:p>
+          <a:p>
+            <a:r>
+              <a:rPr lang="en-US" sz="2400" b="1" dirty="0"/>
+              <a:t>Cluster volume</a:t>
+            </a:r>
+            <a:r>
+              <a:rPr lang="en-US" sz="2400" dirty="0"/>
+              <a:t>—Uses a cloud-native storage service to replicate data six ways across three Availability Zones, providing highly durable and available storage. An Amazon </a:t>
+            </a:r>
+            <a:r>
+              <a:rPr lang="en-US" sz="2400" dirty="0" err="1"/>
+              <a:t>DocumentDB</a:t>
+            </a:r>
+            <a:r>
+              <a:rPr lang="en-US" sz="2400" dirty="0"/>
+              <a:t> cluster has exactly one cluster volume, which can store up to 64 TB of data.</a:t>
+            </a:r>
+          </a:p>
+          <a:p>
+            <a:r>
+              <a:rPr lang="en-US" sz="2400" b="1" dirty="0"/>
+              <a:t>Instances</a:t>
+            </a:r>
+            <a:r>
+              <a:rPr lang="en-US" sz="2400" dirty="0"/>
+              <a:t>—Provide the processing power for the database, writing data to, and reading data from, the cluster storage volume. An Amazon </a:t>
+            </a:r>
+            <a:r>
+              <a:rPr lang="en-US" sz="2400" dirty="0" err="1"/>
+              <a:t>DocumentDB</a:t>
+            </a:r>
+            <a:r>
+              <a:rPr lang="en-US" sz="2400" dirty="0"/>
+              <a:t> cluster can have 0–16 instances.</a:t>
+            </a:r>
+          </a:p>
+          <a:p>
+            <a:r>
+              <a:rPr lang="en-US" sz="2400" dirty="0"/>
+              <a:t>Instances serve one of two roles:</a:t>
+            </a:r>
+          </a:p>
+          <a:p>
+            <a:r>
+              <a:rPr lang="en-US" sz="2400" b="1" dirty="0"/>
+              <a:t>Primary instance</a:t>
+            </a:r>
+            <a:r>
+              <a:rPr lang="en-US" sz="2400" dirty="0"/>
+              <a:t>—Supports read and write operations, and performs all the data modifications to the cluster volume. Each Amazon </a:t>
+            </a:r>
+            <a:r>
+              <a:rPr lang="en-US" sz="2400" dirty="0" err="1"/>
+              <a:t>DocumentDB</a:t>
+            </a:r>
+            <a:r>
+              <a:rPr lang="en-US" sz="2400" dirty="0"/>
+              <a:t> cluster has one primary instance.</a:t>
+            </a:r>
+          </a:p>
+          <a:p>
+            <a:r>
+              <a:rPr lang="en-US" sz="2400" b="1" dirty="0"/>
+              <a:t>Replica instance</a:t>
+            </a:r>
+            <a:r>
+              <a:rPr lang="en-US" sz="2400" dirty="0"/>
+              <a:t>—Supports only read operations. An Amazon </a:t>
+            </a:r>
+            <a:r>
+              <a:rPr lang="en-US" sz="2400" dirty="0" err="1"/>
+              <a:t>DocumentDB</a:t>
+            </a:r>
+            <a:r>
+              <a:rPr lang="en-US" sz="2400" dirty="0"/>
+              <a:t> cluster can have up to 15 replicas in addition to the primary instance. Having multiple replicas enables you to distribute read workloads. In addition, by placing replicas in separate Availability Zones, you also increase your cluster availability.</a:t>
+            </a:r>
+          </a:p>
+          <a:p>
+            <a:endParaRPr lang="en-US" sz="2400" dirty="0"/>
+          </a:p>
+        </p:txBody>
+      </p:sp>
+      <p:sp>
+        <p:nvSpPr>
+          <p:cNvPr id="70" name="Google Shape;70;p14"/>
+          <p:cNvSpPr txBox="1">
+            <a:spLocks noGrp="1"/>
+          </p:cNvSpPr>
+          <p:nvPr>
+            <p:ph type="title"/>
+          </p:nvPr>
+        </p:nvSpPr>
+        <p:spPr>
+          <a:xfrm>
+            <a:off x="107092" y="304121"/>
+            <a:ext cx="2520594" cy="1656373"/>
+          </a:xfrm>
+          <a:prstGeom prst="rect">
+            <a:avLst/>
+          </a:prstGeom>
+        </p:spPr>
+        <p:txBody>
+          <a:bodyPr spcFirstLastPara="1" vert="horz" wrap="square" lIns="121900" tIns="121900" rIns="121900" bIns="121900" rtlCol="0" anchor="t" anchorCtr="0">
+            <a:noAutofit/>
+          </a:bodyPr>
+          <a:lstStyle/>
+          <a:p>
+            <a:pPr algn="ctr"/>
+            <a:r>
+              <a:rPr lang="en-US" sz="3200" b="1" dirty="0" smtClean="0">
+                <a:solidFill>
+                  <a:schemeClr val="bg1"/>
+                </a:solidFill>
+              </a:rPr>
+              <a:t>Document DB</a:t>
+            </a:r>
+            <a:endParaRPr lang="en-US" sz="3200" b="1" dirty="0">
+              <a:solidFill>
+                <a:schemeClr val="bg1"/>
+              </a:solidFill>
+            </a:endParaRPr>
+          </a:p>
+        </p:txBody>
+      </p:sp>
+    </p:spTree>
+    <p:extLst>
+      <p:ext uri="{BB962C8B-B14F-4D97-AF65-F5344CB8AC3E}">
+        <p14:creationId xmlns:p14="http://schemas.microsoft.com/office/powerpoint/2010/main" val="2350912477"/>
+      </p:ext>
+    </p:extLst>
+  </p:cSld>
+  <p:clrMapOvr>
+    <a:masterClrMapping/>
+  </p:clrMapOvr>
+  <p:timing>
+    <p:tnLst>
+      <p:par>
+        <p:cTn id="1" dur="indefinite" restart="never" nodeType="tmRoot"/>
+      </p:par>
+    </p:tnLst>
+  </p:timing>
+</p:sld>
+</file>
+
+<file path=ppt/slides/slide24.xml><?xml version="1.0" encoding="utf-8"?>
+<p:sld xmlns:a="http://schemas.openxmlformats.org/drawingml/2006/main" xmlns:r="http://schemas.openxmlformats.org/officeDocument/2006/relationships" xmlns:p="http://schemas.openxmlformats.org/presentationml/2006/main">
+  <p:cSld>
+    <p:spTree>
+      <p:nvGrpSpPr>
+        <p:cNvPr id="1" name="Shape 65"/>
+        <p:cNvGrpSpPr/>
+        <p:nvPr/>
+      </p:nvGrpSpPr>
+      <p:grpSpPr>
+        <a:xfrm>
+          <a:off x="0" y="0"/>
+          <a:ext cx="0" cy="0"/>
+          <a:chOff x="0" y="0"/>
+          <a:chExt cx="0" cy="0"/>
+        </a:xfrm>
+      </p:grpSpPr>
+      <p:sp>
+        <p:nvSpPr>
+          <p:cNvPr id="66" name="Google Shape;66;p14"/>
+          <p:cNvSpPr txBox="1">
+            <a:spLocks noGrp="1"/>
+          </p:cNvSpPr>
+          <p:nvPr>
+            <p:ph type="body" idx="2"/>
+          </p:nvPr>
+        </p:nvSpPr>
+        <p:spPr>
+          <a:xfrm>
+            <a:off x="2910239" y="40510"/>
+            <a:ext cx="8841333" cy="6475619"/>
+          </a:xfrm>
+          <a:prstGeom prst="rect">
+            <a:avLst/>
+          </a:prstGeom>
+        </p:spPr>
+        <p:txBody>
+          <a:bodyPr spcFirstLastPara="1" vert="horz" wrap="square" lIns="121900" tIns="121900" rIns="121900" bIns="121900" rtlCol="0" anchor="t" anchorCtr="0">
+            <a:noAutofit/>
+          </a:bodyPr>
+          <a:lstStyle/>
+          <a:p>
+            <a:endParaRPr lang="en-US" sz="2400" dirty="0"/>
+          </a:p>
+        </p:txBody>
+      </p:sp>
+      <p:sp>
+        <p:nvSpPr>
+          <p:cNvPr id="70" name="Google Shape;70;p14"/>
+          <p:cNvSpPr txBox="1">
+            <a:spLocks noGrp="1"/>
+          </p:cNvSpPr>
+          <p:nvPr>
+            <p:ph type="title"/>
+          </p:nvPr>
+        </p:nvSpPr>
+        <p:spPr>
+          <a:xfrm>
+            <a:off x="107092" y="304121"/>
+            <a:ext cx="2520594" cy="1656373"/>
+          </a:xfrm>
+          <a:prstGeom prst="rect">
+            <a:avLst/>
+          </a:prstGeom>
+        </p:spPr>
+        <p:txBody>
+          <a:bodyPr spcFirstLastPara="1" vert="horz" wrap="square" lIns="121900" tIns="121900" rIns="121900" bIns="121900" rtlCol="0" anchor="t" anchorCtr="0">
+            <a:noAutofit/>
+          </a:bodyPr>
+          <a:lstStyle/>
+          <a:p>
+            <a:pPr algn="ctr"/>
+            <a:r>
+              <a:rPr lang="en-US" sz="3200" b="1" dirty="0">
+                <a:solidFill>
+                  <a:schemeClr val="bg1"/>
+                </a:solidFill>
+              </a:rPr>
+              <a:t>Add an inverted index</a:t>
+            </a:r>
+          </a:p>
+        </p:txBody>
+      </p:sp>
+      <p:pic>
+        <p:nvPicPr>
+          <p:cNvPr id="2" name="Picture 1"/>
+          <p:cNvPicPr>
+            <a:picLocks noChangeAspect="1"/>
+          </p:cNvPicPr>
+          <p:nvPr/>
+        </p:nvPicPr>
+        <p:blipFill>
+          <a:blip r:embed="rId3"/>
+          <a:stretch>
+            <a:fillRect/>
+          </a:stretch>
+        </p:blipFill>
+        <p:spPr>
+          <a:xfrm>
+            <a:off x="4059452" y="1465434"/>
+            <a:ext cx="7829550" cy="4371975"/>
+          </a:xfrm>
+          <a:prstGeom prst="rect">
+            <a:avLst/>
+          </a:prstGeom>
+        </p:spPr>
+      </p:pic>
+    </p:spTree>
+    <p:extLst>
+      <p:ext uri="{BB962C8B-B14F-4D97-AF65-F5344CB8AC3E}">
+        <p14:creationId xmlns:p14="http://schemas.microsoft.com/office/powerpoint/2010/main" val="1539299564"/>
+      </p:ext>
+    </p:extLst>
+  </p:cSld>
+  <p:clrMapOvr>
+    <a:masterClrMapping/>
+  </p:clrMapOvr>
+  <p:timing>
+    <p:tnLst>
+      <p:par>
+        <p:cTn id="1" dur="indefinite" restart="never" nodeType="tmRoot"/>
+      </p:par>
+    </p:tnLst>
+  </p:timing>
+</p:sld>
+</file>
+
+<file path=ppt/slides/slide25.xml><?xml version="1.0" encoding="utf-8"?>
+<p:sld xmlns:a="http://schemas.openxmlformats.org/drawingml/2006/main" xmlns:r="http://schemas.openxmlformats.org/officeDocument/2006/relationships" xmlns:p="http://schemas.openxmlformats.org/presentationml/2006/main">
+  <p:cSld>
+    <p:spTree>
+      <p:nvGrpSpPr>
+        <p:cNvPr id="1" name="Shape 65"/>
+        <p:cNvGrpSpPr/>
+        <p:nvPr/>
+      </p:nvGrpSpPr>
+      <p:grpSpPr>
+        <a:xfrm>
+          <a:off x="0" y="0"/>
+          <a:ext cx="0" cy="0"/>
+          <a:chOff x="0" y="0"/>
+          <a:chExt cx="0" cy="0"/>
+        </a:xfrm>
+      </p:grpSpPr>
+      <p:sp>
+        <p:nvSpPr>
+          <p:cNvPr id="66" name="Google Shape;66;p14"/>
+          <p:cNvSpPr txBox="1">
+            <a:spLocks noGrp="1"/>
+          </p:cNvSpPr>
+          <p:nvPr>
+            <p:ph type="body" idx="2"/>
+          </p:nvPr>
+        </p:nvSpPr>
+        <p:spPr>
+          <a:xfrm>
+            <a:off x="2910239" y="40510"/>
+            <a:ext cx="8841333" cy="6475619"/>
+          </a:xfrm>
+          <a:prstGeom prst="rect">
+            <a:avLst/>
+          </a:prstGeom>
+        </p:spPr>
+        <p:txBody>
+          <a:bodyPr spcFirstLastPara="1" vert="horz" wrap="square" lIns="121900" tIns="121900" rIns="121900" bIns="121900" rtlCol="0" anchor="t" anchorCtr="0">
+            <a:noAutofit/>
+          </a:bodyPr>
+          <a:lstStyle/>
+          <a:p>
+            <a:r>
+              <a:rPr lang="en-US" sz="2400" dirty="0" smtClean="0"/>
+              <a:t>add_inverted_index.py</a:t>
+            </a:r>
+            <a:endParaRPr lang="vi-VN" sz="2400" dirty="0" smtClean="0"/>
+          </a:p>
+          <a:p>
+            <a:r>
+              <a:rPr lang="en-US" sz="2400"/>
+              <a:t>find_games_for_user.py</a:t>
+            </a:r>
+            <a:endParaRPr lang="en-US" sz="2400" dirty="0"/>
+          </a:p>
+        </p:txBody>
+      </p:sp>
+      <p:sp>
+        <p:nvSpPr>
+          <p:cNvPr id="70" name="Google Shape;70;p14"/>
+          <p:cNvSpPr txBox="1">
+            <a:spLocks noGrp="1"/>
+          </p:cNvSpPr>
+          <p:nvPr>
+            <p:ph type="title"/>
+          </p:nvPr>
+        </p:nvSpPr>
+        <p:spPr>
+          <a:xfrm>
+            <a:off x="107092" y="304121"/>
+            <a:ext cx="2520594" cy="1656373"/>
+          </a:xfrm>
+          <a:prstGeom prst="rect">
+            <a:avLst/>
+          </a:prstGeom>
+        </p:spPr>
+        <p:txBody>
+          <a:bodyPr spcFirstLastPara="1" vert="horz" wrap="square" lIns="121900" tIns="121900" rIns="121900" bIns="121900" rtlCol="0" anchor="t" anchorCtr="0">
+            <a:noAutofit/>
+          </a:bodyPr>
+          <a:lstStyle/>
+          <a:p>
+            <a:pPr algn="ctr"/>
+            <a:r>
+              <a:rPr lang="en-US" sz="3200" b="1" dirty="0">
+                <a:solidFill>
+                  <a:schemeClr val="bg1"/>
+                </a:solidFill>
+              </a:rPr>
+              <a:t>Add an inverted index</a:t>
+            </a:r>
+          </a:p>
+        </p:txBody>
+      </p:sp>
+    </p:spTree>
+    <p:extLst>
+      <p:ext uri="{BB962C8B-B14F-4D97-AF65-F5344CB8AC3E}">
+        <p14:creationId xmlns:p14="http://schemas.microsoft.com/office/powerpoint/2010/main" val="2828482942"/>
       </p:ext>
     </p:extLst>
   </p:cSld>
